--- a/SouthIndiaSeedExportersPPT-Colour (2).pptx
+++ b/SouthIndiaSeedExportersPPT-Colour (2).pptx
@@ -111,6 +111,22 @@
       </a:defRPr>
     </a:lvl9pPr>
   </p:defaultTextStyle>
+  <p:extLst>
+    <p:ext uri="{EFAFB233-063F-42B5-8137-9DF3F51BA10A}">
+      <p15:sldGuideLst xmlns:p15="http://schemas.microsoft.com/office/powerpoint/2012/main">
+        <p15:guide id="1" orient="horz" pos="2160">
+          <p15:clr>
+            <a:srgbClr val="A4A3A4"/>
+          </p15:clr>
+        </p15:guide>
+        <p15:guide id="2" pos="2880">
+          <p15:clr>
+            <a:srgbClr val="A4A3A4"/>
+          </p15:clr>
+        </p15:guide>
+      </p15:sldGuideLst>
+    </p:ext>
+  </p:extLst>
 </p:presentation>
 </file>
 
@@ -335,7 +351,7 @@
           </a:lstStyle>
           <a:p>
             <a:r>
-              <a:rPr lang="en-US" smtClean="0"/>
+              <a:rPr lang="en-US"/>
               <a:t>Click to edit Master subtitle style</a:t>
             </a:r>
             <a:endParaRPr lang="en-US" dirty="0"/>
@@ -367,7 +383,7 @@
           <a:p>
             <a:fld id="{E6083B98-31A7-684F-BAF8-4D9648F11055}" type="datetimeFigureOut">
               <a:rPr lang="en-US" smtClean="0"/>
-              <a:t>10/14/18</a:t>
+              <a:t>11/11/2018</a:t>
             </a:fld>
             <a:endParaRPr lang="en-US"/>
           </a:p>
@@ -456,7 +472,7 @@
           </a:lstStyle>
           <a:p>
             <a:r>
-              <a:rPr lang="en-US" smtClean="0"/>
+              <a:rPr lang="en-US"/>
               <a:t>Click to edit Master title style</a:t>
             </a:r>
             <a:endParaRPr lang="en-US" dirty="0"/>
@@ -504,10 +520,9 @@
           <a:lstStyle/>
           <a:p>
             <a:r>
-              <a:rPr lang="en-US" smtClean="0"/>
+              <a:rPr lang="en-US"/>
               <a:t>Click to edit Master title style</a:t>
             </a:r>
-            <a:endParaRPr lang="en-US"/>
           </a:p>
         </p:txBody>
       </p:sp>
@@ -528,38 +543,37 @@
           <a:p>
             <a:pPr lvl="0"/>
             <a:r>
-              <a:rPr lang="en-US" smtClean="0"/>
+              <a:rPr lang="en-US"/>
               <a:t>Click to edit Master text styles</a:t>
             </a:r>
           </a:p>
           <a:p>
             <a:pPr lvl="1"/>
             <a:r>
-              <a:rPr lang="en-US" smtClean="0"/>
+              <a:rPr lang="en-US"/>
               <a:t>Second level</a:t>
             </a:r>
           </a:p>
           <a:p>
             <a:pPr lvl="2"/>
             <a:r>
-              <a:rPr lang="en-US" smtClean="0"/>
+              <a:rPr lang="en-US"/>
               <a:t>Third level</a:t>
             </a:r>
           </a:p>
           <a:p>
             <a:pPr lvl="3"/>
             <a:r>
-              <a:rPr lang="en-US" smtClean="0"/>
+              <a:rPr lang="en-US"/>
               <a:t>Fourth level</a:t>
             </a:r>
           </a:p>
           <a:p>
             <a:pPr lvl="4"/>
             <a:r>
-              <a:rPr lang="en-US" smtClean="0"/>
+              <a:rPr lang="en-US"/>
               <a:t>Fifth level</a:t>
             </a:r>
-            <a:endParaRPr lang="en-US"/>
           </a:p>
         </p:txBody>
       </p:sp>
@@ -580,7 +594,7 @@
           <a:p>
             <a:fld id="{E6083B98-31A7-684F-BAF8-4D9648F11055}" type="datetimeFigureOut">
               <a:rPr lang="en-US" smtClean="0"/>
-              <a:t>10/14/18</a:t>
+              <a:t>11/11/2018</a:t>
             </a:fld>
             <a:endParaRPr lang="en-US"/>
           </a:p>
@@ -766,7 +780,7 @@
           <a:lstStyle/>
           <a:p>
             <a:r>
-              <a:rPr lang="en-US" smtClean="0"/>
+              <a:rPr lang="en-US"/>
               <a:t>Click to edit Master title style</a:t>
             </a:r>
             <a:endParaRPr lang="en-US" dirty="0"/>
@@ -795,35 +809,35 @@
           <a:p>
             <a:pPr lvl="0"/>
             <a:r>
-              <a:rPr lang="en-US" smtClean="0"/>
+              <a:rPr lang="en-US"/>
               <a:t>Click to edit Master text styles</a:t>
             </a:r>
           </a:p>
           <a:p>
             <a:pPr lvl="1"/>
             <a:r>
-              <a:rPr lang="en-US" smtClean="0"/>
+              <a:rPr lang="en-US"/>
               <a:t>Second level</a:t>
             </a:r>
           </a:p>
           <a:p>
             <a:pPr lvl="2"/>
             <a:r>
-              <a:rPr lang="en-US" smtClean="0"/>
+              <a:rPr lang="en-US"/>
               <a:t>Third level</a:t>
             </a:r>
           </a:p>
           <a:p>
             <a:pPr lvl="3"/>
             <a:r>
-              <a:rPr lang="en-US" smtClean="0"/>
+              <a:rPr lang="en-US"/>
               <a:t>Fourth level</a:t>
             </a:r>
           </a:p>
           <a:p>
             <a:pPr lvl="4"/>
             <a:r>
-              <a:rPr lang="en-US" smtClean="0"/>
+              <a:rPr lang="en-US"/>
               <a:t>Fifth level</a:t>
             </a:r>
             <a:endParaRPr lang="en-US" dirty="0"/>
@@ -847,7 +861,7 @@
           <a:p>
             <a:fld id="{E6083B98-31A7-684F-BAF8-4D9648F11055}" type="datetimeFigureOut">
               <a:rPr lang="en-US" smtClean="0"/>
-              <a:t>10/14/18</a:t>
+              <a:t>11/11/2018</a:t>
             </a:fld>
             <a:endParaRPr lang="en-US"/>
           </a:p>
@@ -945,35 +959,35 @@
           <a:p>
             <a:pPr lvl="0"/>
             <a:r>
-              <a:rPr lang="en-US" smtClean="0"/>
+              <a:rPr lang="en-US"/>
               <a:t>Click to edit Master text styles</a:t>
             </a:r>
           </a:p>
           <a:p>
             <a:pPr lvl="1"/>
             <a:r>
-              <a:rPr lang="en-US" smtClean="0"/>
+              <a:rPr lang="en-US"/>
               <a:t>Second level</a:t>
             </a:r>
           </a:p>
           <a:p>
             <a:pPr lvl="2"/>
             <a:r>
-              <a:rPr lang="en-US" smtClean="0"/>
+              <a:rPr lang="en-US"/>
               <a:t>Third level</a:t>
             </a:r>
           </a:p>
           <a:p>
             <a:pPr lvl="3"/>
             <a:r>
-              <a:rPr lang="en-US" smtClean="0"/>
+              <a:rPr lang="en-US"/>
               <a:t>Fourth level</a:t>
             </a:r>
           </a:p>
           <a:p>
             <a:pPr lvl="4"/>
             <a:r>
-              <a:rPr lang="en-US" smtClean="0"/>
+              <a:rPr lang="en-US"/>
               <a:t>Fifth level</a:t>
             </a:r>
             <a:endParaRPr lang="en-US" dirty="0"/>
@@ -997,7 +1011,7 @@
           <a:p>
             <a:fld id="{E6083B98-31A7-684F-BAF8-4D9648F11055}" type="datetimeFigureOut">
               <a:rPr lang="en-US" smtClean="0"/>
-              <a:t>10/14/18</a:t>
+              <a:t>11/11/2018</a:t>
             </a:fld>
             <a:endParaRPr lang="en-US"/>
           </a:p>
@@ -1061,10 +1075,9 @@
           <a:lstStyle/>
           <a:p>
             <a:r>
-              <a:rPr lang="en-US" smtClean="0"/>
+              <a:rPr lang="en-US"/>
               <a:t>Click to edit Master title style</a:t>
             </a:r>
-            <a:endParaRPr lang="en-US"/>
           </a:p>
         </p:txBody>
       </p:sp>
@@ -1296,7 +1309,7 @@
           <a:p>
             <a:pPr lvl="0"/>
             <a:r>
-              <a:rPr lang="en-US" smtClean="0"/>
+              <a:rPr lang="en-US"/>
               <a:t>Click to edit Master text styles</a:t>
             </a:r>
           </a:p>
@@ -1327,7 +1340,7 @@
           <a:p>
             <a:fld id="{E6083B98-31A7-684F-BAF8-4D9648F11055}" type="datetimeFigureOut">
               <a:rPr lang="en-US" smtClean="0"/>
-              <a:t>10/14/18</a:t>
+              <a:t>11/11/2018</a:t>
             </a:fld>
             <a:endParaRPr lang="en-US"/>
           </a:p>
@@ -1416,7 +1429,7 @@
           </a:lstStyle>
           <a:p>
             <a:r>
-              <a:rPr lang="en-US" smtClean="0"/>
+              <a:rPr lang="en-US"/>
               <a:t>Click to edit Master title style</a:t>
             </a:r>
             <a:endParaRPr lang="en-US" dirty="0"/>
@@ -1498,35 +1511,35 @@
           <a:p>
             <a:pPr lvl="0"/>
             <a:r>
-              <a:rPr lang="en-US" smtClean="0"/>
+              <a:rPr lang="en-US"/>
               <a:t>Click to edit Master text styles</a:t>
             </a:r>
           </a:p>
           <a:p>
             <a:pPr lvl="1"/>
             <a:r>
-              <a:rPr lang="en-US" smtClean="0"/>
+              <a:rPr lang="en-US"/>
               <a:t>Second level</a:t>
             </a:r>
           </a:p>
           <a:p>
             <a:pPr lvl="2"/>
             <a:r>
-              <a:rPr lang="en-US" smtClean="0"/>
+              <a:rPr lang="en-US"/>
               <a:t>Third level</a:t>
             </a:r>
           </a:p>
           <a:p>
             <a:pPr lvl="3"/>
             <a:r>
-              <a:rPr lang="en-US" smtClean="0"/>
+              <a:rPr lang="en-US"/>
               <a:t>Fourth level</a:t>
             </a:r>
           </a:p>
           <a:p>
             <a:pPr lvl="4"/>
             <a:r>
-              <a:rPr lang="en-US" smtClean="0"/>
+              <a:rPr lang="en-US"/>
               <a:t>Fifth level</a:t>
             </a:r>
             <a:endParaRPr lang="en-US" dirty="0"/>
@@ -1583,35 +1596,35 @@
           <a:p>
             <a:pPr lvl="0"/>
             <a:r>
-              <a:rPr lang="en-US" smtClean="0"/>
+              <a:rPr lang="en-US"/>
               <a:t>Click to edit Master text styles</a:t>
             </a:r>
           </a:p>
           <a:p>
             <a:pPr lvl="1"/>
             <a:r>
-              <a:rPr lang="en-US" smtClean="0"/>
+              <a:rPr lang="en-US"/>
               <a:t>Second level</a:t>
             </a:r>
           </a:p>
           <a:p>
             <a:pPr lvl="2"/>
             <a:r>
-              <a:rPr lang="en-US" smtClean="0"/>
+              <a:rPr lang="en-US"/>
               <a:t>Third level</a:t>
             </a:r>
           </a:p>
           <a:p>
             <a:pPr lvl="3"/>
             <a:r>
-              <a:rPr lang="en-US" smtClean="0"/>
+              <a:rPr lang="en-US"/>
               <a:t>Fourth level</a:t>
             </a:r>
           </a:p>
           <a:p>
             <a:pPr lvl="4"/>
             <a:r>
-              <a:rPr lang="en-US" smtClean="0"/>
+              <a:rPr lang="en-US"/>
               <a:t>Fifth level</a:t>
             </a:r>
             <a:endParaRPr lang="en-US" dirty="0"/>
@@ -1635,7 +1648,7 @@
           <a:p>
             <a:fld id="{E6083B98-31A7-684F-BAF8-4D9648F11055}" type="datetimeFigureOut">
               <a:rPr lang="en-US" smtClean="0"/>
-              <a:t>10/14/18</a:t>
+              <a:t>11/11/2018</a:t>
             </a:fld>
             <a:endParaRPr lang="en-US"/>
           </a:p>
@@ -1699,10 +1712,9 @@
           <a:lstStyle/>
           <a:p>
             <a:r>
-              <a:rPr lang="en-US" smtClean="0"/>
+              <a:rPr lang="en-US"/>
               <a:t>Click to edit Master title style</a:t>
             </a:r>
-            <a:endParaRPr lang="en-US"/>
           </a:p>
         </p:txBody>
       </p:sp>
@@ -1794,7 +1806,7 @@
           <a:p>
             <a:pPr lvl="0"/>
             <a:r>
-              <a:rPr lang="en-US" smtClean="0"/>
+              <a:rPr lang="en-US"/>
               <a:t>Click to edit Master text styles</a:t>
             </a:r>
           </a:p>
@@ -1850,35 +1862,35 @@
           <a:p>
             <a:pPr lvl="0"/>
             <a:r>
-              <a:rPr lang="en-US" smtClean="0"/>
+              <a:rPr lang="en-US"/>
               <a:t>Click to edit Master text styles</a:t>
             </a:r>
           </a:p>
           <a:p>
             <a:pPr lvl="1"/>
             <a:r>
-              <a:rPr lang="en-US" smtClean="0"/>
+              <a:rPr lang="en-US"/>
               <a:t>Second level</a:t>
             </a:r>
           </a:p>
           <a:p>
             <a:pPr lvl="2"/>
             <a:r>
-              <a:rPr lang="en-US" smtClean="0"/>
+              <a:rPr lang="en-US"/>
               <a:t>Third level</a:t>
             </a:r>
           </a:p>
           <a:p>
             <a:pPr lvl="3"/>
             <a:r>
-              <a:rPr lang="en-US" smtClean="0"/>
+              <a:rPr lang="en-US"/>
               <a:t>Fourth level</a:t>
             </a:r>
           </a:p>
           <a:p>
             <a:pPr lvl="4"/>
             <a:r>
-              <a:rPr lang="en-US" smtClean="0"/>
+              <a:rPr lang="en-US"/>
               <a:t>Fifth level</a:t>
             </a:r>
             <a:endParaRPr lang="en-US" dirty="0"/>
@@ -1948,7 +1960,7 @@
           <a:p>
             <a:pPr lvl="0"/>
             <a:r>
-              <a:rPr lang="en-US" smtClean="0"/>
+              <a:rPr lang="en-US"/>
               <a:t>Click to edit Master text styles</a:t>
             </a:r>
           </a:p>
@@ -2004,35 +2016,35 @@
           <a:p>
             <a:pPr lvl="0"/>
             <a:r>
-              <a:rPr lang="en-US" smtClean="0"/>
+              <a:rPr lang="en-US"/>
               <a:t>Click to edit Master text styles</a:t>
             </a:r>
           </a:p>
           <a:p>
             <a:pPr lvl="1"/>
             <a:r>
-              <a:rPr lang="en-US" smtClean="0"/>
+              <a:rPr lang="en-US"/>
               <a:t>Second level</a:t>
             </a:r>
           </a:p>
           <a:p>
             <a:pPr lvl="2"/>
             <a:r>
-              <a:rPr lang="en-US" smtClean="0"/>
+              <a:rPr lang="en-US"/>
               <a:t>Third level</a:t>
             </a:r>
           </a:p>
           <a:p>
             <a:pPr lvl="3"/>
             <a:r>
-              <a:rPr lang="en-US" smtClean="0"/>
+              <a:rPr lang="en-US"/>
               <a:t>Fourth level</a:t>
             </a:r>
           </a:p>
           <a:p>
             <a:pPr lvl="4"/>
             <a:r>
-              <a:rPr lang="en-US" smtClean="0"/>
+              <a:rPr lang="en-US"/>
               <a:t>Fifth level</a:t>
             </a:r>
             <a:endParaRPr lang="en-US" dirty="0"/>
@@ -2056,7 +2068,7 @@
           <a:p>
             <a:fld id="{E6083B98-31A7-684F-BAF8-4D9648F11055}" type="datetimeFigureOut">
               <a:rPr lang="en-US" smtClean="0"/>
-              <a:t>10/14/18</a:t>
+              <a:t>11/11/2018</a:t>
             </a:fld>
             <a:endParaRPr lang="en-US"/>
           </a:p>
@@ -2120,10 +2132,9 @@
           <a:lstStyle/>
           <a:p>
             <a:r>
-              <a:rPr lang="en-US" smtClean="0"/>
+              <a:rPr lang="en-US"/>
               <a:t>Click to edit Master title style</a:t>
             </a:r>
-            <a:endParaRPr lang="en-US"/>
           </a:p>
         </p:txBody>
       </p:sp>
@@ -2169,7 +2180,7 @@
           <a:p>
             <a:fld id="{E6083B98-31A7-684F-BAF8-4D9648F11055}" type="datetimeFigureOut">
               <a:rPr lang="en-US" smtClean="0"/>
-              <a:t>10/14/18</a:t>
+              <a:t>11/11/2018</a:t>
             </a:fld>
             <a:endParaRPr lang="en-US"/>
           </a:p>
@@ -2233,10 +2244,9 @@
           <a:lstStyle/>
           <a:p>
             <a:r>
-              <a:rPr lang="en-US" smtClean="0"/>
+              <a:rPr lang="en-US"/>
               <a:t>Click to edit Master title style</a:t>
             </a:r>
-            <a:endParaRPr lang="en-US"/>
           </a:p>
         </p:txBody>
       </p:sp>
@@ -2328,7 +2338,7 @@
           <a:p>
             <a:fld id="{E6083B98-31A7-684F-BAF8-4D9648F11055}" type="datetimeFigureOut">
               <a:rPr lang="en-US" smtClean="0"/>
-              <a:t>10/14/18</a:t>
+              <a:t>11/11/2018</a:t>
             </a:fld>
             <a:endParaRPr lang="en-US"/>
           </a:p>
@@ -2591,38 +2601,37 @@
           <a:p>
             <a:pPr lvl="0"/>
             <a:r>
-              <a:rPr lang="en-US" smtClean="0"/>
+              <a:rPr lang="en-US"/>
               <a:t>Click to edit Master text styles</a:t>
             </a:r>
           </a:p>
           <a:p>
             <a:pPr lvl="1"/>
             <a:r>
-              <a:rPr lang="en-US" smtClean="0"/>
+              <a:rPr lang="en-US"/>
               <a:t>Second level</a:t>
             </a:r>
           </a:p>
           <a:p>
             <a:pPr lvl="2"/>
             <a:r>
-              <a:rPr lang="en-US" smtClean="0"/>
+              <a:rPr lang="en-US"/>
               <a:t>Third level</a:t>
             </a:r>
           </a:p>
           <a:p>
             <a:pPr lvl="3"/>
             <a:r>
-              <a:rPr lang="en-US" smtClean="0"/>
+              <a:rPr lang="en-US"/>
               <a:t>Fourth level</a:t>
             </a:r>
           </a:p>
           <a:p>
             <a:pPr lvl="4"/>
             <a:r>
-              <a:rPr lang="en-US" smtClean="0"/>
+              <a:rPr lang="en-US"/>
               <a:t>Fifth level</a:t>
             </a:r>
-            <a:endParaRPr lang="en-US"/>
           </a:p>
         </p:txBody>
       </p:sp>
@@ -2689,7 +2698,7 @@
           <a:p>
             <a:pPr lvl="0"/>
             <a:r>
-              <a:rPr lang="en-US" smtClean="0"/>
+              <a:rPr lang="en-US"/>
               <a:t>Click to edit Master text styles</a:t>
             </a:r>
           </a:p>
@@ -2712,7 +2721,7 @@
           <a:p>
             <a:fld id="{E6083B98-31A7-684F-BAF8-4D9648F11055}" type="datetimeFigureOut">
               <a:rPr lang="en-US" smtClean="0"/>
-              <a:t>10/14/18</a:t>
+              <a:t>11/11/2018</a:t>
             </a:fld>
             <a:endParaRPr lang="en-US"/>
           </a:p>
@@ -2798,7 +2807,7 @@
           </a:lstStyle>
           <a:p>
             <a:r>
-              <a:rPr lang="en-US" smtClean="0"/>
+              <a:rPr lang="en-US"/>
               <a:t>Click to edit Master title style</a:t>
             </a:r>
             <a:endParaRPr lang="en-US" dirty="0"/>
@@ -2982,7 +2991,7 @@
           </a:lstStyle>
           <a:p>
             <a:r>
-              <a:rPr lang="en-US" smtClean="0"/>
+              <a:rPr lang="en-US"/>
               <a:t>Drag picture to placeholder or click icon to add</a:t>
             </a:r>
             <a:endParaRPr lang="en-US" dirty="0"/>
@@ -3052,7 +3061,7 @@
           <a:p>
             <a:pPr lvl="0"/>
             <a:r>
-              <a:rPr lang="en-US" smtClean="0"/>
+              <a:rPr lang="en-US"/>
               <a:t>Click to edit Master text styles</a:t>
             </a:r>
           </a:p>
@@ -3075,7 +3084,7 @@
           <a:p>
             <a:fld id="{E6083B98-31A7-684F-BAF8-4D9648F11055}" type="datetimeFigureOut">
               <a:rPr lang="en-US" smtClean="0"/>
-              <a:t>10/14/18</a:t>
+              <a:t>11/11/2018</a:t>
             </a:fld>
             <a:endParaRPr lang="en-US"/>
           </a:p>
@@ -3152,7 +3161,7 @@
           </a:lstStyle>
           <a:p>
             <a:r>
-              <a:rPr lang="en-US" smtClean="0"/>
+              <a:rPr lang="en-US"/>
               <a:t>Click to edit Master title style</a:t>
             </a:r>
             <a:endParaRPr lang="en-US" dirty="0"/>
@@ -3307,7 +3316,7 @@
           <a:lstStyle/>
           <a:p>
             <a:r>
-              <a:rPr lang="en-US" smtClean="0"/>
+              <a:rPr lang="en-US"/>
               <a:t>Click to edit Master title style</a:t>
             </a:r>
             <a:endParaRPr lang="en-US" dirty="0"/>
@@ -3341,35 +3350,35 @@
           <a:p>
             <a:pPr lvl="0"/>
             <a:r>
-              <a:rPr lang="en-US" smtClean="0"/>
+              <a:rPr lang="en-US"/>
               <a:t>Click to edit Master text styles</a:t>
             </a:r>
           </a:p>
           <a:p>
             <a:pPr lvl="1"/>
             <a:r>
-              <a:rPr lang="en-US" smtClean="0"/>
+              <a:rPr lang="en-US"/>
               <a:t>Second level</a:t>
             </a:r>
           </a:p>
           <a:p>
             <a:pPr lvl="2"/>
             <a:r>
-              <a:rPr lang="en-US" smtClean="0"/>
+              <a:rPr lang="en-US"/>
               <a:t>Third level</a:t>
             </a:r>
           </a:p>
           <a:p>
             <a:pPr lvl="3"/>
             <a:r>
-              <a:rPr lang="en-US" smtClean="0"/>
+              <a:rPr lang="en-US"/>
               <a:t>Fourth level</a:t>
             </a:r>
           </a:p>
           <a:p>
             <a:pPr lvl="4"/>
             <a:r>
-              <a:rPr lang="en-US" smtClean="0"/>
+              <a:rPr lang="en-US"/>
               <a:t>Fifth level</a:t>
             </a:r>
             <a:endParaRPr lang="en-US" dirty="0"/>
@@ -3409,7 +3418,7 @@
           <a:p>
             <a:fld id="{E6083B98-31A7-684F-BAF8-4D9648F11055}" type="datetimeFigureOut">
               <a:rPr lang="en-US" smtClean="0"/>
-              <a:t>10/14/18</a:t>
+              <a:t>11/11/2018</a:t>
             </a:fld>
             <a:endParaRPr lang="en-US"/>
           </a:p>
@@ -3825,10 +3834,9 @@
           <a:lstStyle/>
           <a:p>
             <a:r>
-              <a:rPr lang="en-US" dirty="0" smtClean="0"/>
+              <a:rPr lang="en-US" dirty="0"/>
               <a:t>Peanut Exporters</a:t>
             </a:r>
-            <a:endParaRPr lang="en-US" dirty="0"/>
           </a:p>
         </p:txBody>
       </p:sp>
@@ -3872,21 +3880,6 @@
   <p:clrMapOvr>
     <a:masterClrMapping/>
   </p:clrMapOvr>
-  <mc:AlternateContent xmlns:mc="http://schemas.openxmlformats.org/markup-compatibility/2006">
-    <mc:Choice xmlns:p14="http://schemas.microsoft.com/office/powerpoint/2010/main" Requires="p14">
-      <p:transition spd="slow" p14:dur="2000"/>
-    </mc:Choice>
-    <mc:Fallback>
-      <p:transition xmlns:p14="http://schemas.microsoft.com/office/powerpoint/2010/main" spd="slow"/>
-    </mc:Fallback>
-  </mc:AlternateContent>
-  <p:timing>
-    <p:tnLst>
-      <p:par>
-        <p:cTn xmlns:p14="http://schemas.microsoft.com/office/powerpoint/2010/main" id="1" dur="indefinite" restart="never" nodeType="tmRoot"/>
-      </p:par>
-    </p:tnLst>
-  </p:timing>
 </p:sld>
 </file>
 
@@ -3939,13 +3932,7 @@
               <a:rPr lang="en-US" sz="2000" spc="0" dirty="0">
                 <a:cs typeface="Calibri"/>
               </a:rPr>
-              <a:t>Company </a:t>
-            </a:r>
-            <a:r>
-              <a:rPr lang="en-US" sz="2000" spc="0" dirty="0" smtClean="0">
-                <a:cs typeface="Calibri"/>
-              </a:rPr>
-              <a:t>Name : South India Seed Exporters</a:t>
+              <a:t>Company Name : South India Seed Exporters</a:t>
             </a:r>
           </a:p>
           <a:p>
@@ -3956,7 +3943,7 @@
               <a:buNone/>
             </a:pPr>
             <a:r>
-              <a:rPr lang="en-US" sz="2000" spc="0" dirty="0" smtClean="0">
+              <a:rPr lang="en-US" sz="2000" spc="0" dirty="0">
                 <a:cs typeface="Calibri"/>
               </a:rPr>
               <a:t>Establishment : 2005</a:t>
@@ -3973,13 +3960,7 @@
               <a:rPr lang="en-US" sz="2000" spc="0" dirty="0">
                 <a:cs typeface="Calibri"/>
               </a:rPr>
-              <a:t>Business </a:t>
-            </a:r>
-            <a:r>
-              <a:rPr lang="en-US" sz="2000" spc="0" dirty="0" smtClean="0">
-                <a:cs typeface="Calibri"/>
-              </a:rPr>
-              <a:t>Scope : Groundnut/Peanut Exporters</a:t>
+              <a:t>Business Scope : Groundnut/Peanut Exporters</a:t>
             </a:r>
           </a:p>
           <a:p>
@@ -3990,43 +3971,31 @@
               <a:buNone/>
             </a:pPr>
             <a:r>
-              <a:rPr lang="en-US" sz="2000" spc="0" dirty="0" smtClean="0">
-                <a:cs typeface="Calibri"/>
-              </a:rPr>
-              <a:t>Company </a:t>
-            </a:r>
-            <a:r>
               <a:rPr lang="en-US" sz="2000" spc="0" dirty="0">
                 <a:cs typeface="Calibri"/>
               </a:rPr>
-              <a:t>Location : 8/244,</a:t>
-            </a:r>
-            <a:r>
-              <a:rPr lang="en-US" sz="2000" spc="0" dirty="0" smtClean="0">
-                <a:cs typeface="Calibri"/>
-              </a:rPr>
-              <a:t>Kothapet, Sri </a:t>
-            </a:r>
-            <a:r>
-              <a:rPr lang="en-US" sz="2000" spc="0" dirty="0" err="1" smtClean="0">
+              <a:t>Company Location : 8/244,Kothapet, Sri </a:t>
+            </a:r>
+            <a:r>
+              <a:rPr lang="en-US" sz="2000" spc="0" dirty="0" err="1">
                 <a:cs typeface="Calibri"/>
               </a:rPr>
               <a:t>Kalahasti</a:t>
             </a:r>
             <a:r>
-              <a:rPr lang="en-US" sz="2000" spc="0" dirty="0" smtClean="0">
+              <a:rPr lang="en-US" sz="2000" spc="0" dirty="0">
                 <a:cs typeface="Calibri"/>
               </a:rPr>
               <a:t>, </a:t>
             </a:r>
             <a:r>
-              <a:rPr lang="en-US" sz="2000" spc="0" dirty="0" err="1" smtClean="0">
+              <a:rPr lang="en-US" sz="2000" spc="0" dirty="0" err="1">
                 <a:cs typeface="Calibri"/>
               </a:rPr>
               <a:t>Chittoor</a:t>
             </a:r>
             <a:r>
-              <a:rPr lang="en-US" sz="2000" spc="0" dirty="0" smtClean="0">
+              <a:rPr lang="en-US" sz="2000" spc="0" dirty="0">
                 <a:cs typeface="Calibri"/>
               </a:rPr>
               <a:t> </a:t>
@@ -4041,41 +4010,20 @@
               <a:rPr lang="en-US" sz="2000" spc="0" dirty="0">
                 <a:cs typeface="Calibri"/>
               </a:rPr>
-              <a:t>, </a:t>
-            </a:r>
-            <a:r>
-              <a:rPr lang="en-US" sz="2000" spc="0" dirty="0" smtClean="0">
-                <a:cs typeface="Calibri"/>
-              </a:rPr>
-              <a:t>Andhra Pradesh, </a:t>
-            </a:r>
-            <a:r>
-              <a:rPr lang="en-US" sz="2000" spc="0" dirty="0" err="1" smtClean="0">
+              <a:t>, Andhra Pradesh, </a:t>
+            </a:r>
+            <a:r>
+              <a:rPr lang="en-US" sz="2000" spc="0" dirty="0" err="1">
                 <a:cs typeface="Calibri"/>
               </a:rPr>
               <a:t>Pincode</a:t>
             </a:r>
             <a:r>
-              <a:rPr lang="en-US" sz="2000" spc="0" dirty="0" smtClean="0">
-                <a:cs typeface="Calibri"/>
-              </a:rPr>
-              <a:t> - 517644</a:t>
-            </a:r>
-            <a:r>
               <a:rPr lang="en-US" sz="2000" spc="0" dirty="0">
                 <a:cs typeface="Calibri"/>
               </a:rPr>
-              <a:t>, </a:t>
-            </a:r>
-            <a:r>
-              <a:rPr lang="en-US" sz="2000" spc="0" dirty="0" smtClean="0">
-                <a:cs typeface="Calibri"/>
-              </a:rPr>
-              <a:t>India</a:t>
-            </a:r>
-            <a:endParaRPr lang="en-US" sz="2000" spc="0" dirty="0">
-              <a:cs typeface="Calibri"/>
-            </a:endParaRPr>
+              <a:t> - 517644, India</a:t>
+            </a:r>
           </a:p>
           <a:p>
             <a:pPr marL="0" indent="0">
@@ -4096,22 +4044,10 @@
               <a:buNone/>
             </a:pPr>
             <a:r>
-              <a:rPr lang="en-US" sz="2000" spc="0" dirty="0" smtClean="0">
-                <a:cs typeface="Calibri"/>
-              </a:rPr>
-              <a:t>Contacts</a:t>
-            </a:r>
-            <a:r>
               <a:rPr lang="en-US" sz="2000" spc="0" dirty="0">
                 <a:cs typeface="Calibri"/>
               </a:rPr>
-              <a:t>: Cell: +91-7842177725, +91-</a:t>
-            </a:r>
-            <a:r>
-              <a:rPr lang="en-US" sz="2000" spc="0" dirty="0" smtClean="0">
-                <a:cs typeface="Calibri"/>
-              </a:rPr>
-              <a:t>9885700402</a:t>
+              <a:t>Contacts: Cell: +91-7842177725, +91-9885700402</a:t>
             </a:r>
           </a:p>
           <a:p>
@@ -4122,16 +4058,10 @@
               <a:buNone/>
             </a:pPr>
             <a:r>
-              <a:rPr lang="en-US" sz="2000" spc="0" dirty="0" smtClean="0">
-                <a:cs typeface="Calibri"/>
-              </a:rPr>
-              <a:t>Landline</a:t>
-            </a:r>
-            <a:r>
               <a:rPr lang="en-US" sz="2000" spc="0" dirty="0">
                 <a:cs typeface="Calibri"/>
               </a:rPr>
-              <a:t>: +91-8578-222385</a:t>
+              <a:t>Landline: +91-8578-222385</a:t>
             </a:r>
           </a:p>
           <a:p>
@@ -4142,7 +4072,7 @@
               <a:buNone/>
             </a:pPr>
             <a:r>
-              <a:rPr lang="en-US" sz="2000" b="1" spc="0" dirty="0" smtClean="0">
+              <a:rPr lang="en-US" sz="2000" b="1" spc="0" dirty="0">
                 <a:cs typeface="Calibri"/>
               </a:rPr>
               <a:t>Email: </a:t>
@@ -4151,16 +4081,10 @@
               <a:rPr lang="en-US" sz="2000" b="1" u="sng" spc="0" dirty="0">
                 <a:cs typeface="Calibri"/>
               </a:rPr>
-              <a:t>southindiaseedexporters@</a:t>
-            </a:r>
-            <a:r>
-              <a:rPr lang="en-US" sz="2000" b="1" u="sng" spc="0" dirty="0" smtClean="0">
-                <a:cs typeface="Calibri"/>
-              </a:rPr>
-              <a:t>gmail.com</a:t>
-            </a:r>
-            <a:r>
-              <a:rPr lang="en-US" sz="2000" b="1" spc="0" dirty="0" smtClean="0">
+              <a:t>southindiaseedexporters@gmail.com</a:t>
+            </a:r>
+            <a:r>
+              <a:rPr lang="en-US" sz="2000" b="1" spc="0" dirty="0">
                 <a:solidFill>
                   <a:srgbClr val="0000FF"/>
                 </a:solidFill>
@@ -4169,16 +4093,10 @@
               <a:t>, </a:t>
             </a:r>
             <a:r>
-              <a:rPr lang="en-US" sz="2000" b="1" u="sng" spc="0" dirty="0" smtClean="0">
-                <a:cs typeface="Calibri"/>
-              </a:rPr>
-              <a:t>waseem</a:t>
-            </a:r>
-            <a:r>
               <a:rPr lang="en-US" sz="2000" b="1" u="sng" spc="0" dirty="0">
                 <a:cs typeface="Calibri"/>
               </a:rPr>
-              <a:t>@southindiaseedexporters.com</a:t>
+              <a:t>waseem@southindiaseedexporters.com</a:t>
             </a:r>
             <a:endParaRPr lang="en-US" sz="2000" b="1" spc="0" dirty="0">
               <a:cs typeface="Calibri"/>
@@ -4192,26 +4110,23 @@
               <a:buNone/>
             </a:pPr>
             <a:r>
-              <a:rPr lang="en-US" sz="2000" b="1" spc="0" dirty="0" smtClean="0">
+              <a:rPr lang="en-US" sz="2000" b="1" spc="0" dirty="0">
                 <a:cs typeface="Calibri"/>
               </a:rPr>
               <a:t>Website:   </a:t>
             </a:r>
             <a:r>
-              <a:rPr lang="en-US" sz="2000" b="1" u="sng" spc="0" dirty="0" err="1" smtClean="0">
+              <a:rPr lang="en-US" sz="2000" b="1" u="sng" spc="0" dirty="0" err="1">
                 <a:cs typeface="Calibri"/>
               </a:rPr>
               <a:t>www.southindiaseedexporters.com</a:t>
             </a:r>
             <a:r>
-              <a:rPr lang="en-US" sz="2000" b="1" spc="0" dirty="0" smtClean="0">
+              <a:rPr lang="en-US" sz="2000" b="1" spc="0" dirty="0">
                 <a:cs typeface="Calibri"/>
               </a:rPr>
               <a:t>    </a:t>
             </a:r>
-            <a:endParaRPr lang="en-US" sz="2000" b="1" spc="0" dirty="0">
-              <a:cs typeface="Calibri"/>
-            </a:endParaRPr>
           </a:p>
           <a:p>
             <a:pPr marL="0" indent="0">
@@ -4220,7 +4135,7 @@
               </a:spcBef>
               <a:buNone/>
             </a:pPr>
-            <a:endParaRPr lang="en-US" sz="2000" spc="0" dirty="0" smtClean="0">
+            <a:endParaRPr lang="en-US" sz="2000" spc="0" dirty="0">
               <a:cs typeface="Calibri"/>
             </a:endParaRPr>
           </a:p>
@@ -4232,18 +4147,18 @@
               <a:buNone/>
             </a:pPr>
             <a:r>
-              <a:rPr lang="en-US" sz="2000" spc="0" dirty="0" smtClean="0">
+              <a:rPr lang="en-US" sz="2000" spc="0" dirty="0">
                 <a:cs typeface="Calibri"/>
               </a:rPr>
               <a:t>Executives:  Managing Director - </a:t>
             </a:r>
             <a:r>
-              <a:rPr lang="en-US" sz="2000" spc="0" dirty="0" err="1" smtClean="0">
+              <a:rPr lang="en-US" sz="2000" spc="0" dirty="0" err="1">
                 <a:cs typeface="Calibri"/>
               </a:rPr>
               <a:t>B.S.Akram</a:t>
             </a:r>
-            <a:endParaRPr lang="en-US" sz="2000" spc="0" dirty="0" smtClean="0">
+            <a:endParaRPr lang="en-US" sz="2000" spc="0" dirty="0">
               <a:cs typeface="Calibri"/>
             </a:endParaRPr>
           </a:p>
@@ -4255,56 +4170,35 @@
               <a:buNone/>
             </a:pPr>
             <a:r>
-              <a:rPr lang="en-US" sz="2000" spc="0" dirty="0" smtClean="0">
+              <a:rPr lang="en-US" sz="2000" spc="0">
                 <a:cs typeface="Calibri"/>
               </a:rPr>
-              <a:t>General </a:t>
+              <a:t>General Manager </a:t>
+            </a:r>
+            <a:r>
+              <a:rPr lang="mr-IN" sz="2000" spc="0" dirty="0">
+                <a:cs typeface="Calibri"/>
+              </a:rPr>
+              <a:t>–</a:t>
             </a:r>
             <a:r>
               <a:rPr lang="en-US" sz="2000" spc="0" dirty="0">
                 <a:cs typeface="Calibri"/>
               </a:rPr>
-              <a:t>Manger </a:t>
-            </a:r>
-            <a:r>
-              <a:rPr lang="mr-IN" sz="2000" spc="0" dirty="0" smtClean="0">
+              <a:t> Noorjahan, Sales &amp; Marketing </a:t>
+            </a:r>
+            <a:r>
+              <a:rPr lang="mr-IN" sz="2000" spc="0" dirty="0">
                 <a:cs typeface="Calibri"/>
               </a:rPr>
               <a:t>–</a:t>
             </a:r>
             <a:r>
-              <a:rPr lang="en-US" sz="2000" spc="0" dirty="0" smtClean="0">
-                <a:cs typeface="Calibri"/>
-              </a:rPr>
-              <a:t> Noorjahan, Sales </a:t>
-            </a:r>
-            <a:r>
               <a:rPr lang="en-US" sz="2000" spc="0" dirty="0">
                 <a:cs typeface="Calibri"/>
               </a:rPr>
-              <a:t>&amp; </a:t>
-            </a:r>
-            <a:r>
-              <a:rPr lang="en-US" sz="2000" spc="0" dirty="0" smtClean="0">
-                <a:cs typeface="Calibri"/>
-              </a:rPr>
-              <a:t>Marketing </a:t>
-            </a:r>
-            <a:r>
-              <a:rPr lang="mr-IN" sz="2000" spc="0" dirty="0" smtClean="0">
-                <a:cs typeface="Calibri"/>
-              </a:rPr>
-              <a:t>–</a:t>
-            </a:r>
-            <a:r>
-              <a:rPr lang="en-US" sz="2000" spc="0" dirty="0" smtClean="0">
-                <a:cs typeface="Calibri"/>
-              </a:rPr>
               <a:t> Waseem </a:t>
             </a:r>
-            <a:endParaRPr lang="en-US" sz="2000" spc="0" dirty="0">
-              <a:cs typeface="Calibri"/>
-            </a:endParaRPr>
           </a:p>
           <a:p>
             <a:pPr marL="0" indent="0">
@@ -4355,10 +4249,9 @@
           <a:p>
             <a:pPr algn="l"/>
             <a:r>
-              <a:rPr lang="en-US" dirty="0" smtClean="0"/>
+              <a:rPr lang="en-US" dirty="0"/>
               <a:t>Company Details</a:t>
             </a:r>
-            <a:endParaRPr lang="en-US" dirty="0"/>
           </a:p>
         </p:txBody>
       </p:sp>
@@ -4402,13 +4295,6 @@
   <p:clrMapOvr>
     <a:masterClrMapping/>
   </p:clrMapOvr>
-  <p:timing>
-    <p:tnLst>
-      <p:par>
-        <p:cTn xmlns:p14="http://schemas.microsoft.com/office/powerpoint/2010/main" id="1" dur="indefinite" restart="never" nodeType="tmRoot"/>
-      </p:par>
-    </p:tnLst>
-  </p:timing>
 </p:sld>
 </file>
 
@@ -4456,19 +4342,16 @@
             </a:pPr>
             <a:r>
               <a:rPr lang="en-US" spc="0" dirty="0"/>
-              <a:t>W</a:t>
-            </a:r>
-            <a:r>
-              <a:rPr lang="en-US" spc="0" dirty="0" smtClean="0"/>
-              <a:t>e </a:t>
-            </a:r>
+              <a:t>We at South India Seed Exporters are the leading manufacturers and exporters of quality Indian Peanut, spices, and take pride in continuing to be part of India's traditional export of peanut, capable of meeting the standards of the international Peanut industry.</a:t>
+            </a:r>
+          </a:p>
+          <a:p>
+            <a:pPr marL="0" indent="0">
+              <a:buNone/>
+            </a:pPr>
             <a:r>
               <a:rPr lang="en-US" spc="0" dirty="0"/>
-              <a:t>at South India Seed Exporters are the leading manufacturers and exporters of quality Indian Peanut, spices, and take pride in continuing to be part of India's traditional export of peanut, capable of meeting the standards of the international Peanut industry</a:t>
-            </a:r>
-            <a:r>
-              <a:rPr lang="en-US" spc="0" dirty="0" smtClean="0"/>
-              <a:t>.</a:t>
+              <a:t> </a:t>
             </a:r>
           </a:p>
           <a:p>
@@ -4476,32 +4359,15 @@
               <a:buNone/>
             </a:pPr>
             <a:r>
-              <a:rPr lang="en-US" spc="0" dirty="0" smtClean="0"/>
-              <a:t> </a:t>
+              <a:rPr lang="en-US" spc="0" dirty="0"/>
+              <a:t>Our company is registered with "APEDA". Our team comprises of highly dedicated &amp; trained professionals to perform various functions such as purchase, processing, quality control and packaging etc. These professionals are best in the industry and strive to achieve perfection in all aspects of their fields of work.</a:t>
             </a:r>
           </a:p>
           <a:p>
             <a:pPr marL="0" indent="0">
               <a:buNone/>
             </a:pPr>
-            <a:r>
-              <a:rPr lang="en-US" spc="0" dirty="0" smtClean="0"/>
-              <a:t>Our </a:t>
-            </a:r>
-            <a:r>
-              <a:rPr lang="en-US" spc="0" dirty="0"/>
-              <a:t>company is registered with "APEDA". Our team comprises of highly dedicated &amp; trained professionals to perform various functions such as purchase, processing, quality control and packaging etc. These professionals are best in the industry and strive to achieve perfection in all aspects of their fields of work</a:t>
-            </a:r>
-            <a:r>
-              <a:rPr lang="en-US" spc="0" dirty="0" smtClean="0"/>
-              <a:t>.</a:t>
-            </a:r>
-          </a:p>
-          <a:p>
-            <a:pPr marL="0" indent="0">
-              <a:buNone/>
-            </a:pPr>
-            <a:endParaRPr lang="en-US" spc="0" dirty="0" smtClean="0"/>
+            <a:endParaRPr lang="en-US" spc="0" dirty="0"/>
           </a:p>
           <a:p>
             <a:pPr marL="0" indent="0">
@@ -4516,7 +4382,7 @@
             <a:pPr marL="0" indent="0">
               <a:buNone/>
             </a:pPr>
-            <a:endParaRPr lang="en-US" spc="0" dirty="0" smtClean="0"/>
+            <a:endParaRPr lang="en-US" spc="0" dirty="0"/>
           </a:p>
         </p:txBody>
       </p:sp>
@@ -4537,10 +4403,9 @@
           <a:p>
             <a:pPr algn="l"/>
             <a:r>
-              <a:rPr lang="en-US" dirty="0" smtClean="0"/>
+              <a:rPr lang="en-US" dirty="0"/>
               <a:t>About Us</a:t>
             </a:r>
-            <a:endParaRPr lang="en-US" dirty="0"/>
           </a:p>
         </p:txBody>
       </p:sp>
@@ -4584,13 +4449,6 @@
   <p:clrMapOvr>
     <a:masterClrMapping/>
   </p:clrMapOvr>
-  <p:timing>
-    <p:tnLst>
-      <p:par>
-        <p:cTn xmlns:p14="http://schemas.microsoft.com/office/powerpoint/2010/main" id="1" dur="indefinite" restart="never" nodeType="tmRoot"/>
-      </p:par>
-    </p:tnLst>
-  </p:timing>
 </p:sld>
 </file>
 
@@ -4666,10 +4524,9 @@
           <a:p>
             <a:pPr algn="l"/>
             <a:r>
-              <a:rPr lang="en-US" dirty="0" smtClean="0"/>
+              <a:rPr lang="en-US" dirty="0"/>
               <a:t>Our Objective</a:t>
             </a:r>
-            <a:endParaRPr lang="en-US" dirty="0"/>
           </a:p>
         </p:txBody>
       </p:sp>
@@ -4738,18 +4595,13 @@
           </a:lstStyle>
           <a:p>
             <a:r>
-              <a:rPr lang="en-US" dirty="0" smtClean="0">
+              <a:rPr lang="en-US" dirty="0">
                 <a:solidFill>
                   <a:schemeClr val="tx2"/>
                 </a:solidFill>
               </a:rPr>
               <a:t>Our Goal</a:t>
             </a:r>
-            <a:endParaRPr lang="en-US" dirty="0">
-              <a:solidFill>
-                <a:schemeClr val="tx2"/>
-              </a:solidFill>
-            </a:endParaRPr>
           </a:p>
         </p:txBody>
       </p:sp>
@@ -4921,21 +4773,8 @@
                   <a:schemeClr val="tx2"/>
                 </a:solidFill>
               </a:rPr>
-              <a:t>Customer satisfaction is the ultimate goal of our company</a:t>
-            </a:r>
-            <a:r>
-              <a:rPr lang="en-US" sz="2000" dirty="0" smtClean="0">
-                <a:solidFill>
-                  <a:schemeClr val="tx2"/>
-                </a:solidFill>
-              </a:rPr>
-              <a:t>. Also providing the best quality for our customers.</a:t>
-            </a:r>
-            <a:endParaRPr lang="en-US" sz="2000" dirty="0">
-              <a:solidFill>
-                <a:schemeClr val="tx2"/>
-              </a:solidFill>
-            </a:endParaRPr>
+              <a:t>Customer satisfaction is the ultimate goal of our company. Also providing the best quality for our customers.</a:t>
+            </a:r>
           </a:p>
           <a:p>
             <a:pPr marL="0" indent="0">
@@ -4986,13 +4825,6 @@
   <p:clrMapOvr>
     <a:masterClrMapping/>
   </p:clrMapOvr>
-  <p:timing>
-    <p:tnLst>
-      <p:par>
-        <p:cTn xmlns:p14="http://schemas.microsoft.com/office/powerpoint/2010/main" id="1" dur="indefinite" restart="never" nodeType="tmRoot"/>
-      </p:par>
-    </p:tnLst>
-  </p:timing>
 </p:sld>
 </file>
 
@@ -5042,7 +4874,7 @@
               <a:buNone/>
             </a:pPr>
             <a:r>
-              <a:rPr lang="en-US" spc="0" dirty="0" smtClean="0"/>
+              <a:rPr lang="en-US" spc="0" dirty="0"/>
               <a:t>We are committed to provide the best quality product to our customers and agreed upon terms.</a:t>
             </a:r>
           </a:p>
@@ -5071,10 +4903,9 @@
           <a:p>
             <a:pPr algn="l"/>
             <a:r>
-              <a:rPr lang="en-US" dirty="0" smtClean="0"/>
+              <a:rPr lang="en-US" dirty="0"/>
               <a:t>Mission Statement</a:t>
             </a:r>
-            <a:endParaRPr lang="en-US" dirty="0"/>
           </a:p>
         </p:txBody>
       </p:sp>
@@ -5117,18 +4948,13 @@
           </a:lstStyle>
           <a:p>
             <a:r>
-              <a:rPr lang="en-US" dirty="0" smtClean="0">
+              <a:rPr lang="en-US" dirty="0">
                 <a:solidFill>
                   <a:schemeClr val="tx2"/>
                 </a:solidFill>
               </a:rPr>
               <a:t>Vision Statement</a:t>
             </a:r>
-            <a:endParaRPr lang="en-US" dirty="0">
-              <a:solidFill>
-                <a:schemeClr val="tx2"/>
-              </a:solidFill>
-            </a:endParaRPr>
           </a:p>
         </p:txBody>
       </p:sp>
@@ -5295,68 +5121,12 @@
               <a:buNone/>
             </a:pPr>
             <a:r>
-              <a:rPr lang="en-US" sz="2000" dirty="0" smtClean="0">
+              <a:rPr lang="en-US" sz="2000" dirty="0">
                 <a:solidFill>
                   <a:schemeClr val="tx2"/>
                 </a:solidFill>
               </a:rPr>
-              <a:t>By purchasing from farmers we have the ability to get the best quality and we are improving </a:t>
-            </a:r>
-            <a:r>
-              <a:rPr lang="en-US" sz="2000" dirty="0">
-                <a:solidFill>
-                  <a:schemeClr val="tx2"/>
-                </a:solidFill>
-              </a:rPr>
-              <a:t>life </a:t>
-            </a:r>
-            <a:r>
-              <a:rPr lang="en-US" sz="2000" dirty="0" smtClean="0">
-                <a:solidFill>
-                  <a:schemeClr val="tx2"/>
-                </a:solidFill>
-              </a:rPr>
-              <a:t>standards </a:t>
-            </a:r>
-            <a:r>
-              <a:rPr lang="en-US" sz="2000" dirty="0">
-                <a:solidFill>
-                  <a:schemeClr val="tx2"/>
-                </a:solidFill>
-              </a:rPr>
-              <a:t>of </a:t>
-            </a:r>
-            <a:r>
-              <a:rPr lang="en-US" sz="2000" dirty="0" smtClean="0">
-                <a:solidFill>
-                  <a:schemeClr val="tx2"/>
-                </a:solidFill>
-              </a:rPr>
-              <a:t>our farmers </a:t>
-            </a:r>
-            <a:r>
-              <a:rPr lang="en-US" sz="2000" dirty="0">
-                <a:solidFill>
-                  <a:schemeClr val="tx2"/>
-                </a:solidFill>
-              </a:rPr>
-              <a:t>by giving them suitable price </a:t>
-            </a:r>
-            <a:r>
-              <a:rPr lang="en-US" sz="2000" dirty="0" smtClean="0">
-                <a:solidFill>
-                  <a:schemeClr val="tx2"/>
-                </a:solidFill>
-              </a:rPr>
-              <a:t>for their crops.</a:t>
-            </a:r>
-            <a:r>
-              <a:rPr lang="en-US" sz="2000" dirty="0">
-                <a:solidFill>
-                  <a:schemeClr val="tx2"/>
-                </a:solidFill>
-              </a:rPr>
-              <a:t> </a:t>
+              <a:t>By purchasing from farmers we have the ability to get the best quality and we are improving life standards of our farmers by giving them suitable price for their crops. </a:t>
             </a:r>
             <a:br>
               <a:rPr lang="en-US" sz="2000" dirty="0">
@@ -5365,14 +5135,6 @@
                 </a:solidFill>
               </a:rPr>
             </a:br>
-            <a:r>
-              <a:rPr lang="en-US" sz="2000" dirty="0">
-                <a:solidFill>
-                  <a:schemeClr val="tx2"/>
-                </a:solidFill>
-              </a:rPr>
-              <a:t/>
-            </a:r>
             <a:br>
               <a:rPr lang="en-US" sz="2000" dirty="0">
                 <a:solidFill>
@@ -5386,47 +5148,7 @@
                   <a:schemeClr val="tx2"/>
                 </a:solidFill>
               </a:rPr>
-              <a:t>We would like to </a:t>
-            </a:r>
-            <a:r>
-              <a:rPr lang="en-US" sz="2000" dirty="0" smtClean="0">
-                <a:solidFill>
-                  <a:schemeClr val="tx2"/>
-                </a:solidFill>
-              </a:rPr>
-              <a:t>make the world to be healthy place by providing quality </a:t>
-            </a:r>
-            <a:r>
-              <a:rPr lang="en-US" sz="2000" dirty="0">
-                <a:solidFill>
-                  <a:schemeClr val="tx2"/>
-                </a:solidFill>
-              </a:rPr>
-              <a:t>products </a:t>
-            </a:r>
-            <a:r>
-              <a:rPr lang="en-US" sz="2000" dirty="0" smtClean="0">
-                <a:solidFill>
-                  <a:schemeClr val="tx2"/>
-                </a:solidFill>
-              </a:rPr>
-              <a:t>in eco</a:t>
-            </a:r>
-            <a:r>
-              <a:rPr lang="en-US" sz="2000" dirty="0">
-                <a:solidFill>
-                  <a:schemeClr val="tx2"/>
-                </a:solidFill>
-              </a:rPr>
-              <a:t>-friendly manner</a:t>
-            </a:r>
-            <a:r>
-              <a:rPr lang="en-US" sz="2000" dirty="0" smtClean="0">
-                <a:solidFill>
-                  <a:schemeClr val="tx2"/>
-                </a:solidFill>
-              </a:rPr>
-              <a:t>.</a:t>
+              <a:t>We would like to make the world to be healthy place by providing quality products in eco-friendly manner.</a:t>
             </a:r>
           </a:p>
           <a:p>
@@ -5481,13 +5203,6 @@
   <p:clrMapOvr>
     <a:masterClrMapping/>
   </p:clrMapOvr>
-  <p:timing>
-    <p:tnLst>
-      <p:par>
-        <p:cTn xmlns:p14="http://schemas.microsoft.com/office/powerpoint/2010/main" id="1" dur="indefinite" restart="never" nodeType="tmRoot"/>
-      </p:par>
-    </p:tnLst>
-  </p:timing>
 </p:sld>
 </file>
 
@@ -5562,18 +5277,17 @@
           <a:p>
             <a:pPr algn="l"/>
             <a:r>
-              <a:rPr lang="en-US" dirty="0" smtClean="0"/>
+              <a:rPr lang="en-US" dirty="0"/>
               <a:t>Product </a:t>
             </a:r>
             <a:r>
-              <a:rPr lang="mr-IN" dirty="0" smtClean="0"/>
+              <a:rPr lang="mr-IN" dirty="0"/>
               <a:t>–</a:t>
             </a:r>
             <a:r>
-              <a:rPr lang="en-US" dirty="0" smtClean="0"/>
+              <a:rPr lang="en-US" dirty="0"/>
               <a:t> Peanut/Groundnut</a:t>
             </a:r>
-            <a:endParaRPr lang="en-US" dirty="0"/>
           </a:p>
         </p:txBody>
       </p:sp>
@@ -5745,55 +5459,7 @@
                   <a:schemeClr val="tx2"/>
                 </a:solidFill>
               </a:rPr>
-              <a:t>Bold </a:t>
-            </a:r>
-            <a:r>
-              <a:rPr lang="en-US" sz="2000" dirty="0" smtClean="0">
-                <a:solidFill>
-                  <a:schemeClr val="tx2"/>
-                </a:solidFill>
-              </a:rPr>
-              <a:t>Count: </a:t>
-            </a:r>
-            <a:r>
-              <a:rPr lang="en-US" sz="2000" dirty="0">
-                <a:solidFill>
-                  <a:schemeClr val="tx2"/>
-                </a:solidFill>
-              </a:rPr>
-              <a:t>35/40, 38/42, 40/45, 45/55, 55/60, 70/80 </a:t>
-            </a:r>
-            <a:r>
-              <a:rPr lang="en-US" sz="2000" dirty="0" smtClean="0">
-                <a:solidFill>
-                  <a:schemeClr val="tx2"/>
-                </a:solidFill>
-              </a:rPr>
-              <a:t>Java Count: </a:t>
-            </a:r>
-            <a:r>
-              <a:rPr lang="en-US" sz="2000" dirty="0">
-                <a:solidFill>
-                  <a:schemeClr val="tx2"/>
-                </a:solidFill>
-              </a:rPr>
-              <a:t>50/60,60 /65, 60/70, 70/80, 80/90, 90/100 ,140/</a:t>
-            </a:r>
-            <a:r>
-              <a:rPr lang="en-US" sz="2000" dirty="0" smtClean="0">
-                <a:solidFill>
-                  <a:schemeClr val="tx2"/>
-                </a:solidFill>
-              </a:rPr>
-              <a:t>160 (Kalyani) </a:t>
-            </a:r>
-            <a:r>
-              <a:rPr lang="en-US" sz="2000" dirty="0">
-                <a:solidFill>
-                  <a:schemeClr val="tx2"/>
-                </a:solidFill>
-              </a:rPr>
-              <a:t>&amp; Non-Counting</a:t>
+              <a:t>Bold Count: 35/40, 38/42, 40/45, 45/55, 55/60, 70/80 Java Count: 50/60,60 /65, 60/70, 70/80, 80/90, 90/100 ,140/160 (Kalyani) &amp; Non-Counting</a:t>
             </a:r>
             <a:br>
               <a:rPr lang="en-US" sz="2000" dirty="0">
@@ -5803,28 +5469,20 @@
               </a:rPr>
             </a:br>
             <a:r>
-              <a:rPr lang="en-US" sz="2000" dirty="0" smtClean="0">
+              <a:rPr lang="en-US" sz="2000" dirty="0">
                 <a:solidFill>
                   <a:schemeClr val="tx2"/>
                 </a:solidFill>
               </a:rPr>
-              <a:t>Dark </a:t>
-            </a:r>
+              <a:t>Dark Red Skin Peanut Kernels – 60-70, 70-80 and 80-90</a:t>
+            </a:r>
+          </a:p>
+          <a:p>
+            <a:pPr marL="0" indent="0" fontAlgn="base">
+              <a:buNone/>
+            </a:pPr>
             <a:r>
               <a:rPr lang="en-US" sz="2000" dirty="0">
-                <a:solidFill>
-                  <a:schemeClr val="tx2"/>
-                </a:solidFill>
-              </a:rPr>
-              <a:t>Red Skin Peanut Kernels – 60-70, 70-80 and 80-90</a:t>
-            </a:r>
-          </a:p>
-          <a:p>
-            <a:pPr marL="0" indent="0" fontAlgn="base">
-              <a:buNone/>
-            </a:pPr>
-            <a:r>
-              <a:rPr lang="en-US" sz="2000" dirty="0" smtClean="0">
                 <a:solidFill>
                   <a:schemeClr val="tx2"/>
                 </a:solidFill>
@@ -5840,20 +5498,12 @@
               <a:buNone/>
             </a:pPr>
             <a:r>
-              <a:rPr lang="en-US" dirty="0" smtClean="0">
+              <a:rPr lang="en-US" dirty="0">
                 <a:solidFill>
                   <a:schemeClr val="tx2"/>
                 </a:solidFill>
               </a:rPr>
-              <a:t>Origin</a:t>
-            </a:r>
-            <a:r>
-              <a:rPr lang="en-US" dirty="0">
-                <a:solidFill>
-                  <a:schemeClr val="tx2"/>
-                </a:solidFill>
-              </a:rPr>
-              <a:t>: India</a:t>
+              <a:t>Origin: India</a:t>
             </a:r>
             <a:br>
               <a:rPr lang="en-US" dirty="0">
@@ -5868,31 +5518,7 @@
                   <a:schemeClr val="tx2"/>
                 </a:solidFill>
               </a:rPr>
-              <a:t>Moisture: 8% </a:t>
-            </a:r>
-            <a:r>
-              <a:rPr lang="en-US" dirty="0" smtClean="0">
-                <a:solidFill>
-                  <a:schemeClr val="tx2"/>
-                </a:solidFill>
-              </a:rPr>
-              <a:t>max,  Admixture</a:t>
-            </a:r>
-            <a:r>
-              <a:rPr lang="en-US" dirty="0">
-                <a:solidFill>
-                  <a:schemeClr val="tx2"/>
-                </a:solidFill>
-              </a:rPr>
-              <a:t>: 1% </a:t>
-            </a:r>
-            <a:r>
-              <a:rPr lang="en-US" dirty="0" smtClean="0">
-                <a:solidFill>
-                  <a:schemeClr val="tx2"/>
-                </a:solidFill>
-              </a:rPr>
-              <a:t>max</a:t>
+              <a:t>Moisture: 8% max,  Admixture: 1% max</a:t>
             </a:r>
           </a:p>
           <a:p>
@@ -5903,31 +5529,15 @@
               <a:buNone/>
             </a:pPr>
             <a:r>
-              <a:rPr lang="en-US" dirty="0" smtClean="0">
+              <a:rPr lang="en-US" dirty="0">
                 <a:solidFill>
                   <a:schemeClr val="tx2"/>
                 </a:solidFill>
               </a:rPr>
-              <a:t>Imperfect </a:t>
-            </a:r>
-            <a:r>
-              <a:rPr lang="en-US" dirty="0">
-                <a:solidFill>
-                  <a:schemeClr val="tx2"/>
-                </a:solidFill>
-              </a:rPr>
-              <a:t>Grains : 1% </a:t>
-            </a:r>
-            <a:r>
-              <a:rPr lang="en-US" dirty="0" smtClean="0">
-                <a:solidFill>
-                  <a:schemeClr val="tx2"/>
-                </a:solidFill>
-              </a:rPr>
-              <a:t>max, </a:t>
-            </a:r>
-            <a:r>
-              <a:rPr lang="en-US" dirty="0" err="1" smtClean="0">
+              <a:t>Imperfect Grains : 1% max, </a:t>
+            </a:r>
+            <a:r>
+              <a:rPr lang="en-US" dirty="0" err="1">
                 <a:solidFill>
                   <a:schemeClr val="tx2"/>
                 </a:solidFill>
@@ -5940,23 +5550,7 @@
                   <a:schemeClr val="tx2"/>
                 </a:solidFill>
               </a:rPr>
-              <a:t>(B1+B2+G1+G2): 5 PPB max (TLC method)10 and 20 PPB (HPLC/ELISA method with B1B2 condition</a:t>
-            </a:r>
-            <a:r>
-              <a:rPr lang="en-US" dirty="0" smtClean="0">
-                <a:solidFill>
-                  <a:schemeClr val="tx2"/>
-                </a:solidFill>
-              </a:rPr>
-              <a:t>)</a:t>
-            </a:r>
-            <a:r>
-              <a:rPr lang="en-US" dirty="0">
-                <a:solidFill>
-                  <a:schemeClr val="tx2"/>
-                </a:solidFill>
-              </a:rPr>
-              <a:t/>
+              <a:t>(B1+B2+G1+G2): 5 PPB max (TLC method)10 and 20 PPB (HPLC/ELISA method with B1B2 condition)</a:t>
             </a:r>
             <a:br>
               <a:rPr lang="en-US" dirty="0">
@@ -5966,20 +5560,12 @@
               </a:rPr>
             </a:br>
             <a:r>
-              <a:rPr lang="en-US" dirty="0" smtClean="0">
+              <a:rPr lang="en-US" dirty="0">
                 <a:solidFill>
                   <a:schemeClr val="tx2"/>
                 </a:solidFill>
               </a:rPr>
-              <a:t>Packing </a:t>
-            </a:r>
-            <a:r>
-              <a:rPr lang="en-US" dirty="0">
-                <a:solidFill>
-                  <a:schemeClr val="tx2"/>
-                </a:solidFill>
-              </a:rPr>
-              <a:t>Type: In Strong Jute Bags(gunny Bag), </a:t>
+              <a:t>Packing Type: In Strong Jute Bags(gunny Bag), </a:t>
             </a:r>
           </a:p>
           <a:p>
@@ -5990,36 +5576,12 @@
               <a:buNone/>
             </a:pPr>
             <a:r>
-              <a:rPr lang="en-US" dirty="0" smtClean="0">
+              <a:rPr lang="en-US" dirty="0">
                 <a:solidFill>
                   <a:schemeClr val="tx2"/>
                 </a:solidFill>
               </a:rPr>
-              <a:t>Packing: 50 </a:t>
-            </a:r>
-            <a:r>
-              <a:rPr lang="en-US" dirty="0">
-                <a:solidFill>
-                  <a:schemeClr val="tx2"/>
-                </a:solidFill>
-              </a:rPr>
-              <a:t>Kg /25Kg </a:t>
-            </a:r>
-            <a:r>
-              <a:rPr lang="en-US" dirty="0" smtClean="0">
-                <a:solidFill>
-                  <a:schemeClr val="tx2"/>
-                </a:solidFill>
-              </a:rPr>
-              <a:t>o </a:t>
-            </a:r>
-            <a:r>
-              <a:rPr lang="en-US" dirty="0">
-                <a:solidFill>
-                  <a:schemeClr val="tx2"/>
-                </a:solidFill>
-              </a:rPr>
-              <a:t>As Per Buyer Requirement</a:t>
+              <a:t>Packing: 50 Kg /25Kg o As Per Buyer Requirement</a:t>
             </a:r>
           </a:p>
         </p:txBody>
@@ -6034,13 +5596,6 @@
   <p:clrMapOvr>
     <a:masterClrMapping/>
   </p:clrMapOvr>
-  <p:timing>
-    <p:tnLst>
-      <p:par>
-        <p:cTn xmlns:p14="http://schemas.microsoft.com/office/powerpoint/2010/main" id="1" dur="indefinite" restart="never" nodeType="tmRoot"/>
-      </p:par>
-    </p:tnLst>
-  </p:timing>
 </p:sld>
 </file>
 
@@ -6085,25 +5640,8 @@
           <a:p>
             <a:r>
               <a:rPr lang="en-US" spc="0" dirty="0"/>
-              <a:t>Prompt </a:t>
-            </a:r>
-            <a:r>
-              <a:rPr lang="en-US" spc="0" dirty="0" smtClean="0"/>
-              <a:t>Delivery: Our </a:t>
-            </a:r>
-            <a:r>
-              <a:rPr lang="en-US" spc="0" dirty="0"/>
-              <a:t>Emphasis is to provide timely and hassle free delivery service as promised</a:t>
-            </a:r>
-            <a:r>
-              <a:rPr lang="en-US" spc="0" dirty="0" smtClean="0"/>
-              <a:t>.</a:t>
-            </a:r>
-            <a:r>
-              <a:rPr lang="en-US" spc="0" dirty="0"/>
-              <a:t> </a:t>
-            </a:r>
-            <a:endParaRPr lang="en-US" spc="0" dirty="0" smtClean="0"/>
+              <a:t>Prompt Delivery: Our Emphasis is to provide timely and hassle free delivery service as promised. </a:t>
+            </a:r>
           </a:p>
           <a:p>
             <a:pPr marL="45720" indent="0">
@@ -6113,16 +5651,8 @@
           </a:p>
           <a:p>
             <a:r>
-              <a:rPr lang="en-US" spc="0" dirty="0" smtClean="0"/>
-              <a:t>Premium Quality: We </a:t>
-            </a:r>
-            <a:r>
               <a:rPr lang="en-US" spc="0" dirty="0"/>
-              <a:t>have high standards and our goal is to sell the highest quality peanuts we possibly </a:t>
-            </a:r>
-            <a:r>
-              <a:rPr lang="en-US" spc="0" dirty="0" smtClean="0"/>
-              <a:t>can to our customers.</a:t>
+              <a:t>Premium Quality: We have high standards and our goal is to sell the highest quality peanuts we possibly can to our customers.</a:t>
             </a:r>
           </a:p>
           <a:p>
@@ -6133,20 +5663,8 @@
           </a:p>
           <a:p>
             <a:r>
-              <a:rPr lang="en-US" spc="0" dirty="0" smtClean="0"/>
-              <a:t>Most </a:t>
-            </a:r>
-            <a:r>
               <a:rPr lang="en-US" spc="0" dirty="0"/>
-              <a:t>Competitive </a:t>
-            </a:r>
-            <a:r>
-              <a:rPr lang="en-US" spc="0" dirty="0" smtClean="0"/>
-              <a:t>Prices: We </a:t>
-            </a:r>
-            <a:r>
-              <a:rPr lang="en-US" spc="0" dirty="0"/>
-              <a:t>keep up our prices </a:t>
+              <a:t>Most Competitive Prices: We keep up our prices </a:t>
             </a:r>
             <a:r>
               <a:rPr lang="en-US" spc="0" dirty="0" err="1"/>
@@ -6182,10 +5700,9 @@
           <a:p>
             <a:pPr algn="l"/>
             <a:r>
-              <a:rPr lang="en-US" dirty="0" smtClean="0"/>
+              <a:rPr lang="en-US" dirty="0"/>
               <a:t>Why Us</a:t>
             </a:r>
-            <a:endParaRPr lang="en-US" dirty="0"/>
           </a:p>
         </p:txBody>
       </p:sp>
@@ -6229,13 +5746,6 @@
   <p:clrMapOvr>
     <a:masterClrMapping/>
   </p:clrMapOvr>
-  <p:timing>
-    <p:tnLst>
-      <p:par>
-        <p:cTn xmlns:p14="http://schemas.microsoft.com/office/powerpoint/2010/main" id="1" dur="indefinite" restart="never" nodeType="tmRoot"/>
-      </p:par>
-    </p:tnLst>
-  </p:timing>
 </p:sld>
 </file>
 
@@ -6283,50 +5793,22 @@
             </a:pPr>
             <a:r>
               <a:rPr lang="en-US" spc="0" dirty="0"/>
-              <a:t>We look forward to hearing from you by </a:t>
-            </a:r>
-            <a:r>
-              <a:rPr lang="en-US" spc="0" dirty="0" smtClean="0"/>
-              <a:t>phone</a:t>
+              <a:t>We look forward to hearing from you by phone or e-mail. We will reply to your e-mail within two working days. If you need immediate assistance give us a phone </a:t>
+            </a:r>
+            <a:r>
+              <a:rPr lang="en-US" spc="0"/>
+              <a:t>call or </a:t>
             </a:r>
             <a:r>
               <a:rPr lang="en-US" spc="0" dirty="0"/>
-              <a:t> </a:t>
-            </a:r>
-            <a:r>
-              <a:rPr lang="en-US" spc="0" dirty="0" smtClean="0"/>
-              <a:t>or </a:t>
+              <a:t>message us via </a:t>
+            </a:r>
+            <a:r>
+              <a:rPr lang="en-US" spc="0" dirty="0" err="1"/>
+              <a:t>whatsapp</a:t>
             </a:r>
             <a:r>
               <a:rPr lang="en-US" spc="0" dirty="0"/>
-              <a:t>e-mail. We will reply to your e-mail within two working days. If </a:t>
-            </a:r>
-            <a:r>
-              <a:rPr lang="en-US" spc="0" dirty="0" smtClean="0"/>
-              <a:t>you need immediate assistance give </a:t>
-            </a:r>
-            <a:r>
-              <a:rPr lang="en-US" spc="0" dirty="0"/>
-              <a:t>us a phone </a:t>
-            </a:r>
-            <a:r>
-              <a:rPr lang="en-US" spc="0"/>
-              <a:t>call </a:t>
-            </a:r>
-            <a:r>
-              <a:rPr lang="en-US" spc="0" smtClean="0"/>
-              <a:t>or </a:t>
-            </a:r>
-            <a:r>
-              <a:rPr lang="en-US" spc="0" dirty="0" smtClean="0"/>
-              <a:t>message us via </a:t>
-            </a:r>
-            <a:r>
-              <a:rPr lang="en-US" spc="0" dirty="0" err="1" smtClean="0"/>
-              <a:t>whatsapp</a:t>
-            </a:r>
-            <a:r>
-              <a:rPr lang="en-US" spc="0" dirty="0" smtClean="0"/>
               <a:t> or regular message.</a:t>
             </a:r>
           </a:p>
@@ -6334,14 +5816,14 @@
             <a:pPr marL="0" lvl="0" indent="0">
               <a:buNone/>
             </a:pPr>
-            <a:endParaRPr lang="en-US" sz="3000" spc="0" dirty="0" smtClean="0"/>
+            <a:endParaRPr lang="en-US" sz="3000" spc="0" dirty="0"/>
           </a:p>
           <a:p>
             <a:pPr marL="0" lvl="0" indent="0">
               <a:buNone/>
             </a:pPr>
             <a:r>
-              <a:rPr lang="en-US" sz="3000" spc="0" dirty="0" smtClean="0"/>
+              <a:rPr lang="en-US" sz="3000" spc="0" dirty="0"/>
               <a:t>Address:</a:t>
             </a:r>
           </a:p>
@@ -6353,56 +5835,40 @@
               <a:buNone/>
             </a:pPr>
             <a:r>
-              <a:rPr lang="en-US" spc="0" dirty="0" smtClean="0"/>
-              <a:t>8</a:t>
-            </a:r>
-            <a:r>
               <a:rPr lang="en-US" spc="0" dirty="0"/>
-              <a:t>/244, </a:t>
-            </a:r>
-            <a:r>
-              <a:rPr lang="en-US" spc="0" dirty="0" err="1" smtClean="0"/>
+              <a:t>8/244, </a:t>
+            </a:r>
+            <a:r>
+              <a:rPr lang="en-US" spc="0" dirty="0" err="1"/>
               <a:t>Kothapet</a:t>
             </a:r>
             <a:r>
-              <a:rPr lang="en-US" spc="0" dirty="0" smtClean="0"/>
+              <a:rPr lang="en-US" spc="0" dirty="0"/>
               <a:t>, Sri </a:t>
             </a:r>
             <a:r>
-              <a:rPr lang="en-US" spc="0" dirty="0" err="1" smtClean="0"/>
+              <a:rPr lang="en-US" spc="0" dirty="0" err="1"/>
               <a:t>Kalahasti</a:t>
             </a:r>
             <a:r>
-              <a:rPr lang="en-US" spc="0" dirty="0" smtClean="0"/>
+              <a:rPr lang="en-US" spc="0" dirty="0"/>
               <a:t>, </a:t>
             </a:r>
             <a:r>
-              <a:rPr lang="en-US" spc="0" dirty="0" err="1" smtClean="0"/>
+              <a:rPr lang="en-US" spc="0" dirty="0" err="1"/>
               <a:t>Chittoor</a:t>
             </a:r>
             <a:r>
-              <a:rPr lang="en-US" spc="0" dirty="0" smtClean="0"/>
+              <a:rPr lang="en-US" spc="0" dirty="0"/>
               <a:t> </a:t>
             </a:r>
             <a:r>
-              <a:rPr lang="en-US" spc="0" dirty="0" err="1" smtClean="0"/>
-              <a:t>Dist</a:t>
-            </a:r>
-            <a:r>
               <a:rPr lang="en-US" spc="0" dirty="0" err="1"/>
-              <a:t>,</a:t>
-            </a:r>
-            <a:r>
-              <a:rPr lang="en-US" spc="0" dirty="0" err="1" smtClean="0"/>
-              <a:t>Andhra</a:t>
-            </a:r>
-            <a:r>
-              <a:rPr lang="en-US" spc="0" dirty="0" smtClean="0"/>
-              <a:t> </a:t>
+              <a:t>Dist,Andhra</a:t>
             </a:r>
             <a:r>
               <a:rPr lang="en-US" spc="0" dirty="0"/>
-              <a:t>Pradesh</a:t>
+              <a:t> Pradesh</a:t>
             </a:r>
           </a:p>
           <a:p>
@@ -6413,18 +5879,17 @@
               <a:buNone/>
             </a:pPr>
             <a:r>
-              <a:rPr lang="en-US" spc="0" dirty="0" smtClean="0"/>
+              <a:rPr lang="en-US" spc="0" dirty="0"/>
               <a:t>India, </a:t>
             </a:r>
             <a:r>
-              <a:rPr lang="en-US" spc="0" dirty="0" err="1" smtClean="0"/>
+              <a:rPr lang="en-US" spc="0" dirty="0" err="1"/>
               <a:t>Pincode</a:t>
             </a:r>
             <a:r>
-              <a:rPr lang="en-US" spc="0" dirty="0" smtClean="0"/>
+              <a:rPr lang="en-US" spc="0" dirty="0"/>
               <a:t>: 517644</a:t>
             </a:r>
-            <a:endParaRPr lang="en-US" spc="0" dirty="0"/>
           </a:p>
           <a:p>
             <a:pPr marL="0" lvl="0" indent="0">
@@ -6432,23 +5897,15 @@
             </a:pPr>
             <a:r>
               <a:rPr lang="en-US" spc="0" dirty="0"/>
-              <a:t>Mobile </a:t>
-            </a:r>
-            <a:r>
-              <a:rPr lang="en-US" spc="0" dirty="0" smtClean="0"/>
-              <a:t>No</a:t>
-            </a:r>
-            <a:r>
-              <a:rPr lang="en-US" b="1" spc="0" dirty="0" smtClean="0"/>
+              <a:t>Mobile No</a:t>
+            </a:r>
+            <a:r>
+              <a:rPr lang="en-US" b="1" spc="0" dirty="0"/>
               <a:t>:</a:t>
             </a:r>
             <a:r>
               <a:rPr lang="en-US" spc="0" dirty="0"/>
-              <a:t>+91-</a:t>
-            </a:r>
-            <a:r>
-              <a:rPr lang="en-US" spc="0" dirty="0" smtClean="0"/>
-              <a:t>7842177725, +91-9885700402</a:t>
+              <a:t>+91-7842177725, +91-9885700402</a:t>
             </a:r>
           </a:p>
           <a:p>
@@ -6456,50 +5913,33 @@
               <a:buNone/>
             </a:pPr>
             <a:r>
-              <a:rPr lang="en-US" spc="0" dirty="0" smtClean="0"/>
+              <a:rPr lang="en-US" spc="0" dirty="0"/>
               <a:t>Landline: +91-8578-222385</a:t>
             </a:r>
-            <a:endParaRPr lang="en-US" spc="0" dirty="0"/>
           </a:p>
           <a:p>
             <a:pPr marL="0" lvl="0" indent="0">
               <a:buNone/>
             </a:pPr>
             <a:r>
-              <a:rPr lang="en-US" b="1" u="sng" dirty="0" smtClean="0"/>
-              <a:t>Email: </a:t>
-            </a:r>
-            <a:r>
               <a:rPr lang="en-US" b="1" u="sng" dirty="0"/>
-              <a:t>southindiaseedexporters@</a:t>
-            </a:r>
-            <a:r>
-              <a:rPr lang="en-US" b="1" u="sng" dirty="0" smtClean="0"/>
-              <a:t>gmail.com, waseem</a:t>
-            </a:r>
+              <a:t>Email: southindiaseedexporters@gmail.com, waseem@southindiaseedexporters.com</a:t>
+            </a:r>
+          </a:p>
+          <a:p>
+            <a:pPr marL="0" lvl="0" indent="0">
+              <a:buNone/>
+            </a:pPr>
             <a:r>
               <a:rPr lang="en-US" b="1" u="sng" dirty="0"/>
-              <a:t>@</a:t>
-            </a:r>
-            <a:r>
-              <a:rPr lang="en-US" b="1" u="sng" dirty="0" smtClean="0"/>
-              <a:t>southindiaseedexporters.com</a:t>
+              <a:t>Website: www.southindiaseedexporters.com</a:t>
             </a:r>
           </a:p>
           <a:p>
             <a:pPr marL="0" lvl="0" indent="0">
               <a:buNone/>
             </a:pPr>
-            <a:r>
-              <a:rPr lang="en-US" b="1" u="sng" dirty="0" smtClean="0"/>
-              <a:t>Website: www.southindiaseedexporters.com</a:t>
-            </a:r>
-          </a:p>
-          <a:p>
-            <a:pPr marL="0" lvl="0" indent="0">
-              <a:buNone/>
-            </a:pPr>
-            <a:endParaRPr lang="en-US" u="sng" dirty="0" smtClean="0"/>
+            <a:endParaRPr lang="en-US" u="sng" dirty="0"/>
           </a:p>
           <a:p>
             <a:pPr marL="0" lvl="0" indent="0">
@@ -6532,10 +5972,9 @@
           <a:p>
             <a:pPr algn="l"/>
             <a:r>
-              <a:rPr lang="en-US" dirty="0" smtClean="0"/>
+              <a:rPr lang="en-US" dirty="0"/>
               <a:t>Contact Us</a:t>
             </a:r>
-            <a:endParaRPr lang="en-US" dirty="0"/>
           </a:p>
         </p:txBody>
       </p:sp>
@@ -6579,13 +6018,6 @@
   <p:clrMapOvr>
     <a:masterClrMapping/>
   </p:clrMapOvr>
-  <p:timing>
-    <p:tnLst>
-      <p:par>
-        <p:cTn xmlns:p14="http://schemas.microsoft.com/office/powerpoint/2010/main" id="1" dur="indefinite" restart="never" nodeType="tmRoot"/>
-      </p:par>
-    </p:tnLst>
-  </p:timing>
 </p:sld>
 </file>
 
